--- a/Presentation/presentation.pptx
+++ b/Presentation/presentation.pptx
@@ -145,6 +145,10 @@
 </p:presentation>
 </file>
 
+<file path=ppt/revisionInfo.xml><?xml version="1.0" encoding="utf-8"?>
+<p1510:revInfo xmlns:a="http://schemas.openxmlformats.org/drawingml/2006/main" xmlns:r="http://schemas.openxmlformats.org/officeDocument/2006/relationships" xmlns:p1510="http://schemas.microsoft.com/office/powerpoint/2015/10/main"/>
+</file>
+
 <file path=ppt/handoutMasters/handoutMaster1.xml><?xml version="1.0" encoding="utf-8"?>
 <p:handoutMaster xmlns:a="http://schemas.openxmlformats.org/drawingml/2006/main" xmlns:r="http://schemas.openxmlformats.org/officeDocument/2006/relationships" xmlns:p="http://schemas.openxmlformats.org/presentationml/2006/main">
   <p:cSld>
@@ -227,7 +231,7 @@
           <a:p>
             <a:fld id="{705E03B7-B591-4A2A-B695-014C5A39F13E}" type="datetimeFigureOut">
               <a:rPr lang="en-US"/>
-              <a:t>1/9/2018</a:t>
+              <a:t>1/10/2018</a:t>
             </a:fld>
             <a:endParaRPr/>
           </a:p>
@@ -392,7 +396,7 @@
           <a:p>
             <a:fld id="{67DFBD7B-E4FB-4AA8-9540-FD148073ACB3}" type="datetimeFigureOut">
               <a:rPr lang="en-US"/>
-              <a:t>1/9/2018</a:t>
+              <a:t>1/10/2018</a:t>
             </a:fld>
             <a:endParaRPr/>
           </a:p>
@@ -801,7 +805,7 @@
           <a:p>
             <a:fld id="{A7209051-6E81-43E8-9099-FF6A0C3DCFE8}" type="datetime1">
               <a:rPr lang="en-US" smtClean="0"/>
-              <a:t>1/9/2018</a:t>
+              <a:t>1/10/2018</a:t>
             </a:fld>
             <a:endParaRPr lang="en-US"/>
           </a:p>
@@ -1015,7 +1019,7 @@
           <a:p>
             <a:fld id="{EDCEAB04-7709-4C1E-A61A-74684A0170FC}" type="datetime1">
               <a:rPr lang="en-US" smtClean="0"/>
-              <a:t>1/9/2018</a:t>
+              <a:t>1/10/2018</a:t>
             </a:fld>
             <a:endParaRPr lang="en-US"/>
           </a:p>
@@ -1239,7 +1243,7 @@
           <a:p>
             <a:fld id="{0C79BD0D-E0B1-4CED-AC65-708AC79EB9CD}" type="datetime1">
               <a:rPr lang="en-US" smtClean="0"/>
-              <a:t>1/9/2018</a:t>
+              <a:t>1/10/2018</a:t>
             </a:fld>
             <a:endParaRPr lang="en-US"/>
           </a:p>
@@ -1453,7 +1457,7 @@
           <a:p>
             <a:fld id="{0CC3EA6D-DF0B-4D4B-B359-5F1D1D0E30A4}" type="datetime1">
               <a:rPr lang="en-US" smtClean="0"/>
-              <a:t>1/9/2018</a:t>
+              <a:t>1/10/2018</a:t>
             </a:fld>
             <a:endParaRPr lang="en-US"/>
           </a:p>
@@ -1744,7 +1748,7 @@
           <a:p>
             <a:fld id="{977EDB99-15BC-4479-BAC5-1E502E66917A}" type="datetime1">
               <a:rPr lang="en-US" smtClean="0"/>
-              <a:t>1/9/2018</a:t>
+              <a:t>1/10/2018</a:t>
             </a:fld>
             <a:endParaRPr lang="en-US"/>
           </a:p>
@@ -2025,7 +2029,7 @@
           <a:p>
             <a:fld id="{4067C2A3-CD19-48AB-9F64-ECCF75182EDD}" type="datetime1">
               <a:rPr lang="en-US" smtClean="0"/>
-              <a:t>1/9/2018</a:t>
+              <a:t>1/10/2018</a:t>
             </a:fld>
             <a:endParaRPr lang="en-US"/>
           </a:p>
@@ -2453,7 +2457,7 @@
           <a:p>
             <a:fld id="{0363E8C1-7C87-4705-AB97-8CD17D208E3F}" type="datetime1">
               <a:rPr lang="en-US" smtClean="0"/>
-              <a:t>1/9/2018</a:t>
+              <a:t>1/10/2018</a:t>
             </a:fld>
             <a:endParaRPr lang="en-US"/>
           </a:p>
@@ -2610,7 +2614,7 @@
           <a:p>
             <a:fld id="{E20C624E-DF92-4841-B9B9-DD11AA239B85}" type="datetime1">
               <a:rPr lang="en-US" smtClean="0"/>
-              <a:t>1/9/2018</a:t>
+              <a:t>1/10/2018</a:t>
             </a:fld>
             <a:endParaRPr lang="en-US"/>
           </a:p>
@@ -2739,7 +2743,7 @@
           <a:p>
             <a:fld id="{FBDA3AE1-4360-4D5B-BDBC-656B872DD533}" type="datetime1">
               <a:rPr lang="en-US" smtClean="0"/>
-              <a:t>1/9/2018</a:t>
+              <a:t>1/10/2018</a:t>
             </a:fld>
             <a:endParaRPr lang="en-US"/>
           </a:p>
@@ -3066,7 +3070,7 @@
           <a:p>
             <a:fld id="{20990708-46A4-4851-883E-8DFB8939107E}" type="datetime1">
               <a:rPr lang="en-US" smtClean="0"/>
-              <a:t>1/9/2018</a:t>
+              <a:t>1/10/2018</a:t>
             </a:fld>
             <a:endParaRPr lang="en-US"/>
           </a:p>
@@ -3370,7 +3374,7 @@
           <a:p>
             <a:fld id="{AE88EFFC-86AE-4294-A319-CAFC2651994B}" type="datetime1">
               <a:rPr lang="en-US" smtClean="0"/>
-              <a:t>1/9/2018</a:t>
+              <a:t>1/10/2018</a:t>
             </a:fld>
             <a:endParaRPr lang="en-US"/>
           </a:p>
@@ -3628,7 +3632,7 @@
             <a:fld id="{D29E8617-6EA8-4B97-A5E8-E18E98765EE2}" type="datetime1">
               <a:rPr lang="en-US" smtClean="0"/>
               <a:pPr/>
-              <a:t>1/9/2018</a:t>
+              <a:t>1/10/2018</a:t>
             </a:fld>
             <a:endParaRPr lang="en-US" dirty="0"/>
           </a:p>
@@ -4299,7 +4303,7 @@
             </a:r>
             <a:r>
               <a:rPr lang="de-CH" sz="2400" dirty="0"/>
-              <a:t> Menü</a:t>
+              <a:t> Menu</a:t>
             </a:r>
             <a:endParaRPr lang="en-US" sz="2400" dirty="0"/>
           </a:p>
@@ -4648,25 +4652,34 @@
           <a:p>
             <a:r>
               <a:rPr lang="en-US" sz="2400" dirty="0"/>
-              <a:t>Login </a:t>
+              <a:t>DB Credentials in </a:t>
+            </a:r>
+            <a:r>
+              <a:rPr lang="en-US" sz="2400" b="1" dirty="0"/>
+              <a:t>XML</a:t>
+            </a:r>
+            <a:r>
+              <a:rPr lang="en-US" sz="2400" dirty="0"/>
+              <a:t>: Users, Menu, </a:t>
             </a:r>
             <a:r>
               <a:rPr lang="en-US" sz="2400" dirty="0" err="1"/>
-              <a:t>Daten</a:t>
-            </a:r>
+              <a:t>Sprachen</a:t>
+            </a:r>
+            <a:endParaRPr lang="en-US" sz="2400" dirty="0"/>
+          </a:p>
+          <a:p>
             <a:r>
               <a:rPr lang="en-US" sz="2400"/>
-              <a:t> in </a:t>
+              <a:t>Daten-Files </a:t>
+            </a:r>
+            <a:r>
+              <a:rPr lang="en-US" sz="2400" b="1" dirty="0"/>
+              <a:t>Schutz</a:t>
             </a:r>
             <a:r>
               <a:rPr lang="en-US" sz="2400" dirty="0"/>
-              <a:t>XML</a:t>
-            </a:r>
-          </a:p>
-          <a:p>
-            <a:r>
-              <a:rPr lang="en-US" sz="2400" dirty="0"/>
-              <a:t>Config-Files Schutz - .</a:t>
+              <a:t> - .</a:t>
             </a:r>
             <a:r>
               <a:rPr lang="en-US" sz="2400" dirty="0" err="1"/>
@@ -5545,6 +5558,26 @@
 </file>
 
 <file path=customXml/item1.xml><?xml version="1.0" encoding="utf-8"?>
+<p:properties xmlns:p="http://schemas.microsoft.com/office/2006/metadata/properties" xmlns:xsi="http://www.w3.org/2001/XMLSchema-instance" xmlns:pc="http://schemas.microsoft.com/office/infopath/2007/PartnerControls">
+  <documentManagement>
+    <VSO_x0020_item_x0020_id xmlns="40262f94-9f35-4ac3-9a90-690165a166b7" xsi:nil="true"/>
+    <Assetid_x0020_ xmlns="40262f94-9f35-4ac3-9a90-690165a166b7" xsi:nil="true"/>
+    <Item_x0020_Details xmlns="40262f94-9f35-4ac3-9a90-690165a166b7" xsi:nil="true"/>
+    <Template_x0020_details xmlns="40262f94-9f35-4ac3-9a90-690165a166b7" xsi:nil="true"/>
+  </documentManagement>
+</p:properties>
+</file>
+
+<file path=customXml/item2.xml><?xml version="1.0" encoding="utf-8"?>
+<?mso-contentType ?>
+<FormTemplates xmlns="http://schemas.microsoft.com/sharepoint/v3/contenttype/forms">
+  <Display>DocumentLibraryForm</Display>
+  <Edit>DocumentLibraryForm</Edit>
+  <New>DocumentLibraryForm</New>
+</FormTemplates>
+</file>
+
+<file path=customXml/item3.xml><?xml version="1.0" encoding="utf-8"?>
 <ct:contentTypeSchema xmlns:ct="http://schemas.microsoft.com/office/2006/metadata/contentType" xmlns:ma="http://schemas.microsoft.com/office/2006/metadata/properties/metaAttributes" ct:_="" ma:_="" ma:contentTypeName="Document" ma:contentTypeID="0x010100AA3F7D94069FF64A86F7DFF56D60E3BE" ma:contentTypeVersion="6" ma:contentTypeDescription="Create a new document." ma:contentTypeScope="" ma:versionID="c32302c77d4085ecf495bdddb7f5e889">
   <xsd:schema xmlns:xsd="http://www.w3.org/2001/XMLSchema" xmlns:xs="http://www.w3.org/2001/XMLSchema" xmlns:p="http://schemas.microsoft.com/office/2006/metadata/properties" xmlns:ns2="a4f35948-e619-41b3-aa29-22878b09cfd2" xmlns:ns3="40262f94-9f35-4ac3-9a90-690165a166b7" targetNamespace="http://schemas.microsoft.com/office/2006/metadata/properties" ma:root="true" ma:fieldsID="4ab5ae46be95f9d0be6107e8200be7a2" ns2:_="" ns3:_="">
     <xsd:import namespace="a4f35948-e619-41b3-aa29-22878b09cfd2"/>
@@ -5725,27 +5758,32 @@
 </ct:contentTypeSchema>
 </file>
 
-<file path=customXml/item2.xml><?xml version="1.0" encoding="utf-8"?>
-<?mso-contentType ?>
-<FormTemplates xmlns="http://schemas.microsoft.com/sharepoint/v3/contenttype/forms">
-  <Display>DocumentLibraryForm</Display>
-  <Edit>DocumentLibraryForm</Edit>
-  <New>DocumentLibraryForm</New>
-</FormTemplates>
+<file path=customXml/itemProps1.xml><?xml version="1.0" encoding="utf-8"?>
+<ds:datastoreItem xmlns:ds="http://schemas.openxmlformats.org/officeDocument/2006/customXml" ds:itemID="{5E700CCB-20BA-4760-AB9F-AC3B63ED32E0}">
+  <ds:schemaRefs>
+    <ds:schemaRef ds:uri="http://schemas.microsoft.com/office/infopath/2007/PartnerControls"/>
+    <ds:schemaRef ds:uri="http://purl.org/dc/elements/1.1/"/>
+    <ds:schemaRef ds:uri="http://schemas.microsoft.com/office/2006/metadata/properties"/>
+    <ds:schemaRef ds:uri="http://purl.org/dc/terms/"/>
+    <ds:schemaRef ds:uri="http://schemas.microsoft.com/office/2006/documentManagement/types"/>
+    <ds:schemaRef ds:uri="http://schemas.openxmlformats.org/package/2006/metadata/core-properties"/>
+    <ds:schemaRef ds:uri="a4f35948-e619-41b3-aa29-22878b09cfd2"/>
+    <ds:schemaRef ds:uri="40262f94-9f35-4ac3-9a90-690165a166b7"/>
+    <ds:schemaRef ds:uri="http://www.w3.org/XML/1998/namespace"/>
+    <ds:schemaRef ds:uri="http://purl.org/dc/dcmitype/"/>
+  </ds:schemaRefs>
+</ds:datastoreItem>
 </file>
 
-<file path=customXml/item3.xml><?xml version="1.0" encoding="utf-8"?>
-<p:properties xmlns:p="http://schemas.microsoft.com/office/2006/metadata/properties" xmlns:xsi="http://www.w3.org/2001/XMLSchema-instance" xmlns:pc="http://schemas.microsoft.com/office/infopath/2007/PartnerControls">
-  <documentManagement>
-    <VSO_x0020_item_x0020_id xmlns="40262f94-9f35-4ac3-9a90-690165a166b7" xsi:nil="true"/>
-    <Assetid_x0020_ xmlns="40262f94-9f35-4ac3-9a90-690165a166b7" xsi:nil="true"/>
-    <Item_x0020_Details xmlns="40262f94-9f35-4ac3-9a90-690165a166b7" xsi:nil="true"/>
-    <Template_x0020_details xmlns="40262f94-9f35-4ac3-9a90-690165a166b7" xsi:nil="true"/>
-  </documentManagement>
-</p:properties>
+<file path=customXml/itemProps2.xml><?xml version="1.0" encoding="utf-8"?>
+<ds:datastoreItem xmlns:ds="http://schemas.openxmlformats.org/officeDocument/2006/customXml" ds:itemID="{308942AA-0721-4324-BC2C-A3CB43F24E71}">
+  <ds:schemaRefs>
+    <ds:schemaRef ds:uri="http://schemas.microsoft.com/sharepoint/v3/contenttype/forms"/>
+  </ds:schemaRefs>
+</ds:datastoreItem>
 </file>
 
-<file path=customXml/itemProps1.xml><?xml version="1.0" encoding="utf-8"?>
+<file path=customXml/itemProps3.xml><?xml version="1.0" encoding="utf-8"?>
 <ds:datastoreItem xmlns:ds="http://schemas.openxmlformats.org/officeDocument/2006/customXml" ds:itemID="{FB14945D-DABB-422F-9B28-D299995C9226}">
   <ds:schemaRefs>
     <ds:schemaRef ds:uri="http://schemas.microsoft.com/office/2006/metadata/contentType"/>
@@ -5762,29 +5800,4 @@
     <ds:schemaRef ds:uri="http://schemas.microsoft.com/internal/obd"/>
   </ds:schemaRefs>
 </ds:datastoreItem>
-</file>
-
-<file path=customXml/itemProps2.xml><?xml version="1.0" encoding="utf-8"?>
-<ds:datastoreItem xmlns:ds="http://schemas.openxmlformats.org/officeDocument/2006/customXml" ds:itemID="{308942AA-0721-4324-BC2C-A3CB43F24E71}">
-  <ds:schemaRefs>
-    <ds:schemaRef ds:uri="http://schemas.microsoft.com/sharepoint/v3/contenttype/forms"/>
-  </ds:schemaRefs>
-</ds:datastoreItem>
-</file>
-
-<file path=customXml/itemProps3.xml><?xml version="1.0" encoding="utf-8"?>
-<ds:datastoreItem xmlns:ds="http://schemas.openxmlformats.org/officeDocument/2006/customXml" ds:itemID="{5E700CCB-20BA-4760-AB9F-AC3B63ED32E0}">
-  <ds:schemaRefs>
-    <ds:schemaRef ds:uri="http://schemas.microsoft.com/office/infopath/2007/PartnerControls"/>
-    <ds:schemaRef ds:uri="http://purl.org/dc/elements/1.1/"/>
-    <ds:schemaRef ds:uri="http://schemas.microsoft.com/office/2006/metadata/properties"/>
-    <ds:schemaRef ds:uri="http://purl.org/dc/terms/"/>
-    <ds:schemaRef ds:uri="http://schemas.microsoft.com/office/2006/documentManagement/types"/>
-    <ds:schemaRef ds:uri="http://schemas.openxmlformats.org/package/2006/metadata/core-properties"/>
-    <ds:schemaRef ds:uri="a4f35948-e619-41b3-aa29-22878b09cfd2"/>
-    <ds:schemaRef ds:uri="40262f94-9f35-4ac3-9a90-690165a166b7"/>
-    <ds:schemaRef ds:uri="http://www.w3.org/XML/1998/namespace"/>
-    <ds:schemaRef ds:uri="http://purl.org/dc/dcmitype/"/>
-  </ds:schemaRefs>
-</ds:datastoreItem>
 </file>
--- a/Presentation/presentation.pptx
+++ b/Presentation/presentation.pptx
@@ -231,7 +231,7 @@
           <a:p>
             <a:fld id="{705E03B7-B591-4A2A-B695-014C5A39F13E}" type="datetimeFigureOut">
               <a:rPr lang="en-US"/>
-              <a:t>1/10/2018</a:t>
+              <a:t>1/19/2018</a:t>
             </a:fld>
             <a:endParaRPr/>
           </a:p>
@@ -396,7 +396,7 @@
           <a:p>
             <a:fld id="{67DFBD7B-E4FB-4AA8-9540-FD148073ACB3}" type="datetimeFigureOut">
               <a:rPr lang="en-US"/>
-              <a:t>1/10/2018</a:t>
+              <a:t>1/19/2018</a:t>
             </a:fld>
             <a:endParaRPr/>
           </a:p>
@@ -805,7 +805,7 @@
           <a:p>
             <a:fld id="{A7209051-6E81-43E8-9099-FF6A0C3DCFE8}" type="datetime1">
               <a:rPr lang="en-US" smtClean="0"/>
-              <a:t>1/10/2018</a:t>
+              <a:t>1/19/2018</a:t>
             </a:fld>
             <a:endParaRPr lang="en-US"/>
           </a:p>
@@ -1019,7 +1019,7 @@
           <a:p>
             <a:fld id="{EDCEAB04-7709-4C1E-A61A-74684A0170FC}" type="datetime1">
               <a:rPr lang="en-US" smtClean="0"/>
-              <a:t>1/10/2018</a:t>
+              <a:t>1/19/2018</a:t>
             </a:fld>
             <a:endParaRPr lang="en-US"/>
           </a:p>
@@ -1243,7 +1243,7 @@
           <a:p>
             <a:fld id="{0C79BD0D-E0B1-4CED-AC65-708AC79EB9CD}" type="datetime1">
               <a:rPr lang="en-US" smtClean="0"/>
-              <a:t>1/10/2018</a:t>
+              <a:t>1/19/2018</a:t>
             </a:fld>
             <a:endParaRPr lang="en-US"/>
           </a:p>
@@ -1457,7 +1457,7 @@
           <a:p>
             <a:fld id="{0CC3EA6D-DF0B-4D4B-B359-5F1D1D0E30A4}" type="datetime1">
               <a:rPr lang="en-US" smtClean="0"/>
-              <a:t>1/10/2018</a:t>
+              <a:t>1/19/2018</a:t>
             </a:fld>
             <a:endParaRPr lang="en-US"/>
           </a:p>
@@ -1748,7 +1748,7 @@
           <a:p>
             <a:fld id="{977EDB99-15BC-4479-BAC5-1E502E66917A}" type="datetime1">
               <a:rPr lang="en-US" smtClean="0"/>
-              <a:t>1/10/2018</a:t>
+              <a:t>1/19/2018</a:t>
             </a:fld>
             <a:endParaRPr lang="en-US"/>
           </a:p>
@@ -2029,7 +2029,7 @@
           <a:p>
             <a:fld id="{4067C2A3-CD19-48AB-9F64-ECCF75182EDD}" type="datetime1">
               <a:rPr lang="en-US" smtClean="0"/>
-              <a:t>1/10/2018</a:t>
+              <a:t>1/19/2018</a:t>
             </a:fld>
             <a:endParaRPr lang="en-US"/>
           </a:p>
@@ -2457,7 +2457,7 @@
           <a:p>
             <a:fld id="{0363E8C1-7C87-4705-AB97-8CD17D208E3F}" type="datetime1">
               <a:rPr lang="en-US" smtClean="0"/>
-              <a:t>1/10/2018</a:t>
+              <a:t>1/19/2018</a:t>
             </a:fld>
             <a:endParaRPr lang="en-US"/>
           </a:p>
@@ -2614,7 +2614,7 @@
           <a:p>
             <a:fld id="{E20C624E-DF92-4841-B9B9-DD11AA239B85}" type="datetime1">
               <a:rPr lang="en-US" smtClean="0"/>
-              <a:t>1/10/2018</a:t>
+              <a:t>1/19/2018</a:t>
             </a:fld>
             <a:endParaRPr lang="en-US"/>
           </a:p>
@@ -2743,7 +2743,7 @@
           <a:p>
             <a:fld id="{FBDA3AE1-4360-4D5B-BDBC-656B872DD533}" type="datetime1">
               <a:rPr lang="en-US" smtClean="0"/>
-              <a:t>1/10/2018</a:t>
+              <a:t>1/19/2018</a:t>
             </a:fld>
             <a:endParaRPr lang="en-US"/>
           </a:p>
@@ -3070,7 +3070,7 @@
           <a:p>
             <a:fld id="{20990708-46A4-4851-883E-8DFB8939107E}" type="datetime1">
               <a:rPr lang="en-US" smtClean="0"/>
-              <a:t>1/10/2018</a:t>
+              <a:t>1/19/2018</a:t>
             </a:fld>
             <a:endParaRPr lang="en-US"/>
           </a:p>
@@ -3374,7 +3374,7 @@
           <a:p>
             <a:fld id="{AE88EFFC-86AE-4294-A319-CAFC2651994B}" type="datetime1">
               <a:rPr lang="en-US" smtClean="0"/>
-              <a:t>1/10/2018</a:t>
+              <a:t>1/19/2018</a:t>
             </a:fld>
             <a:endParaRPr lang="en-US"/>
           </a:p>
@@ -3632,7 +3632,7 @@
             <a:fld id="{D29E8617-6EA8-4B97-A5E8-E18E98765EE2}" type="datetime1">
               <a:rPr lang="en-US" smtClean="0"/>
               <a:pPr/>
-              <a:t>1/10/2018</a:t>
+              <a:t>1/19/2018</a:t>
             </a:fld>
             <a:endParaRPr lang="en-US" dirty="0"/>
           </a:p>
@@ -4180,6 +4180,63 @@
           </a:prstGeom>
         </p:spPr>
       </p:pic>
+      <p:sp>
+        <p:nvSpPr>
+          <p:cNvPr id="4" name="TextBox 3">
+            <a:extLst>
+              <a:ext uri="{FF2B5EF4-FFF2-40B4-BE49-F238E27FC236}">
+                <a16:creationId xmlns:a16="http://schemas.microsoft.com/office/drawing/2014/main" id="{C2072331-DF45-45C1-B16A-03BB55051C79}"/>
+              </a:ext>
+            </a:extLst>
+          </p:cNvPr>
+          <p:cNvSpPr txBox="1"/>
+          <p:nvPr/>
+        </p:nvSpPr>
+        <p:spPr>
+          <a:xfrm>
+            <a:off x="9599612" y="5558135"/>
+            <a:ext cx="2133600" cy="923330"/>
+          </a:xfrm>
+          <a:prstGeom prst="rect">
+            <a:avLst/>
+          </a:prstGeom>
+          <a:noFill/>
+        </p:spPr>
+        <p:txBody>
+          <a:bodyPr wrap="square" rtlCol="0">
+            <a:spAutoFit/>
+          </a:bodyPr>
+          <a:lstStyle/>
+          <a:p>
+            <a:r>
+              <a:rPr lang="en-US" dirty="0"/>
+              <a:t>Anna </a:t>
+            </a:r>
+            <a:r>
+              <a:rPr lang="en-US" dirty="0" err="1"/>
+              <a:t>Doukmak</a:t>
+            </a:r>
+            <a:endParaRPr lang="en-US" dirty="0"/>
+          </a:p>
+          <a:p>
+            <a:r>
+              <a:rPr lang="en-US" dirty="0"/>
+              <a:t>Kristina </a:t>
+            </a:r>
+            <a:r>
+              <a:rPr lang="en-US" dirty="0" err="1"/>
+              <a:t>Shiryagina</a:t>
+            </a:r>
+            <a:endParaRPr lang="en-US" dirty="0"/>
+          </a:p>
+          <a:p>
+            <a:r>
+              <a:rPr lang="en-US" dirty="0"/>
+              <a:t>10.01.2018</a:t>
+            </a:r>
+          </a:p>
+        </p:txBody>
+      </p:sp>
     </p:spTree>
     <p:extLst>
       <p:ext uri="{BB962C8B-B14F-4D97-AF65-F5344CB8AC3E}">
@@ -4295,7 +4352,53 @@
             </a:r>
             <a:r>
               <a:rPr lang="en-US" sz="2400" dirty="0"/>
-              <a:t>, media query, JavaScript f</a:t>
+              <a:t>, JavaScript</a:t>
+            </a:r>
+          </a:p>
+          <a:p>
+            <a:r>
+              <a:rPr lang="en-US" sz="2400" b="1" dirty="0" err="1"/>
+              <a:t>Mehrsprachigkeit</a:t>
+            </a:r>
+            <a:r>
+              <a:rPr lang="en-US" sz="2400" dirty="0"/>
+              <a:t> (</a:t>
+            </a:r>
+            <a:r>
+              <a:rPr lang="en-US" sz="2400" dirty="0" err="1"/>
+              <a:t>en</a:t>
+            </a:r>
+            <a:r>
+              <a:rPr lang="en-US" sz="2400" dirty="0"/>
+              <a:t>/de) – JSON</a:t>
+            </a:r>
+          </a:p>
+          <a:p>
+            <a:r>
+              <a:rPr lang="en-US" sz="2400" dirty="0" err="1"/>
+              <a:t>Benutzer</a:t>
+            </a:r>
+            <a:r>
+              <a:rPr lang="en-US" sz="2400" dirty="0"/>
+              <a:t> </a:t>
+            </a:r>
+            <a:r>
+              <a:rPr lang="en-US" sz="2400" b="1" dirty="0"/>
+              <a:t>Login/Registration</a:t>
+            </a:r>
+            <a:r>
+              <a:rPr lang="en-US" sz="2400" dirty="0"/>
+              <a:t> – session</a:t>
+            </a:r>
+          </a:p>
+          <a:p>
+            <a:r>
+              <a:rPr lang="en-US" sz="2400" b="1" dirty="0"/>
+              <a:t>Cookies</a:t>
+            </a:r>
+            <a:r>
+              <a:rPr lang="en-US" sz="2400" dirty="0"/>
+              <a:t> f</a:t>
             </a:r>
             <a:r>
               <a:rPr lang="de-CH" sz="2400" dirty="0" err="1"/>
@@ -4303,61 +4406,6 @@
             </a:r>
             <a:r>
               <a:rPr lang="de-CH" sz="2400" dirty="0"/>
-              <a:t> Menu</a:t>
-            </a:r>
-            <a:endParaRPr lang="en-US" sz="2400" dirty="0"/>
-          </a:p>
-          <a:p>
-            <a:r>
-              <a:rPr lang="en-US" sz="2400" b="1" dirty="0" err="1"/>
-              <a:t>Mehrsprachigkeit</a:t>
-            </a:r>
-            <a:r>
-              <a:rPr lang="en-US" sz="2400" dirty="0"/>
-              <a:t> (</a:t>
-            </a:r>
-            <a:r>
-              <a:rPr lang="en-US" sz="2400" dirty="0" err="1"/>
-              <a:t>en</a:t>
-            </a:r>
-            <a:r>
-              <a:rPr lang="en-US" sz="2400" dirty="0"/>
-              <a:t>/de) – JSON</a:t>
-            </a:r>
-          </a:p>
-          <a:p>
-            <a:r>
-              <a:rPr lang="en-US" sz="2400" dirty="0" err="1"/>
-              <a:t>Benutzer</a:t>
-            </a:r>
-            <a:r>
-              <a:rPr lang="en-US" sz="2400" dirty="0"/>
-              <a:t> </a:t>
-            </a:r>
-            <a:r>
-              <a:rPr lang="en-US" sz="2400" b="1" dirty="0"/>
-              <a:t>Login</a:t>
-            </a:r>
-            <a:r>
-              <a:rPr lang="en-US" sz="2400" dirty="0"/>
-              <a:t> – session</a:t>
-            </a:r>
-          </a:p>
-          <a:p>
-            <a:r>
-              <a:rPr lang="en-US" sz="2400" b="1" dirty="0"/>
-              <a:t>Cookies</a:t>
-            </a:r>
-            <a:r>
-              <a:rPr lang="en-US" sz="2400" dirty="0"/>
-              <a:t> f</a:t>
-            </a:r>
-            <a:r>
-              <a:rPr lang="de-CH" sz="2400" dirty="0" err="1"/>
-              <a:t>ür</a:t>
-            </a:r>
-            <a:r>
-              <a:rPr lang="de-CH" sz="2400" dirty="0"/>
               <a:t> die Sprache</a:t>
             </a:r>
             <a:endParaRPr lang="en-US" sz="2400" dirty="0"/>
@@ -4377,45 +4425,25 @@
             </a:r>
             <a:r>
               <a:rPr lang="en-US" sz="2400" dirty="0"/>
-              <a:t> (pattern, required), Regular Expressions</a:t>
+              <a:t>, Regular Expressions</a:t>
             </a:r>
           </a:p>
           <a:p>
             <a:r>
               <a:rPr lang="en-US" sz="2400" b="1" dirty="0"/>
-              <a:t>DB</a:t>
+              <a:t>DB </a:t>
             </a:r>
             <a:r>
               <a:rPr lang="en-US" sz="2400" dirty="0"/>
-              <a:t>: </a:t>
+              <a:t>MySQL: Product, Category, Option, </a:t>
             </a:r>
             <a:r>
               <a:rPr lang="en-US" sz="2400" dirty="0" err="1"/>
-              <a:t>Produkte</a:t>
+              <a:t>Optionvalue</a:t>
             </a:r>
             <a:r>
               <a:rPr lang="en-US" sz="2400" dirty="0"/>
-              <a:t>, </a:t>
-            </a:r>
-            <a:r>
-              <a:rPr lang="en-US" sz="2400" dirty="0" err="1"/>
-              <a:t>Kategorien</a:t>
-            </a:r>
-            <a:r>
-              <a:rPr lang="en-US" sz="2400" dirty="0"/>
-              <a:t>, </a:t>
-            </a:r>
-            <a:r>
-              <a:rPr lang="en-US" sz="2400" dirty="0" err="1"/>
-              <a:t>Optionen</a:t>
-            </a:r>
-            <a:r>
-              <a:rPr lang="ru-RU" sz="2400" dirty="0"/>
-              <a:t> - </a:t>
-            </a:r>
-            <a:r>
-              <a:rPr lang="en-US" sz="2400" dirty="0" err="1"/>
-              <a:t>phpmyadmin</a:t>
+              <a:t>, User, Orders</a:t>
             </a:r>
             <a:endParaRPr lang="ru-RU" sz="2400" dirty="0"/>
           </a:p>
@@ -4591,87 +4619,81 @@
               <a:rPr lang="en-US" sz="2400" b="1" dirty="0"/>
               <a:t>HTML Forms</a:t>
             </a:r>
+          </a:p>
+          <a:p>
+            <a:r>
+              <a:rPr lang="en-US" sz="2400" b="1" dirty="0" err="1"/>
+              <a:t>Warenkorb</a:t>
+            </a:r>
             <a:r>
               <a:rPr lang="en-US" sz="2400" dirty="0"/>
               <a:t> </a:t>
             </a:r>
             <a:r>
               <a:rPr lang="en-US" sz="2400" dirty="0" err="1"/>
-              <a:t>mit</a:t>
+              <a:t>bearbeitung</a:t>
             </a:r>
             <a:r>
               <a:rPr lang="en-US" sz="2400" dirty="0"/>
-              <a:t> Post </a:t>
-            </a:r>
+              <a:t> – JavaScript/jQuery, AJAX</a:t>
+            </a:r>
+          </a:p>
+          <a:p>
             <a:r>
               <a:rPr lang="en-US" sz="2400" dirty="0" err="1"/>
-              <a:t>Methode</a:t>
-            </a:r>
-            <a:endParaRPr lang="en-US" sz="2400" dirty="0"/>
-          </a:p>
-          <a:p>
-            <a:r>
-              <a:rPr lang="en-US" sz="2400" b="1" dirty="0" err="1"/>
-              <a:t>Warenkorb</a:t>
+              <a:t>Bestätigung</a:t>
+            </a:r>
+            <a:r>
+              <a:rPr lang="en-US" sz="2400" dirty="0"/>
+              <a:t> der </a:t>
+            </a:r>
+            <a:r>
+              <a:rPr lang="en-US" sz="2400" dirty="0" err="1"/>
+              <a:t>Bestellung</a:t>
             </a:r>
             <a:r>
               <a:rPr lang="en-US" sz="2400" dirty="0"/>
               <a:t> </a:t>
             </a:r>
             <a:r>
-              <a:rPr lang="en-US" sz="2400" dirty="0" err="1"/>
-              <a:t>bearbeitung</a:t>
-            </a:r>
-            <a:r>
-              <a:rPr lang="en-US" sz="2400" dirty="0"/>
-              <a:t> – JavaScript/jQuery, AJAX</a:t>
-            </a:r>
-          </a:p>
-          <a:p>
-            <a:r>
-              <a:rPr lang="en-US" sz="2400" dirty="0" err="1"/>
-              <a:t>Bestätigung</a:t>
-            </a:r>
-            <a:r>
-              <a:rPr lang="en-US" sz="2400" dirty="0"/>
-              <a:t> der </a:t>
-            </a:r>
-            <a:r>
-              <a:rPr lang="en-US" sz="2400" dirty="0" err="1"/>
-              <a:t>Bestellung</a:t>
-            </a:r>
-            <a:r>
-              <a:rPr lang="en-US" sz="2400" dirty="0"/>
-              <a:t> </a:t>
-            </a:r>
-            <a:r>
               <a:rPr lang="en-US" sz="2400" b="1" dirty="0"/>
               <a:t>per Email</a:t>
             </a:r>
           </a:p>
           <a:p>
             <a:r>
-              <a:rPr lang="en-US" sz="2400" dirty="0"/>
-              <a:t>DB Credentials in </a:t>
-            </a:r>
-            <a:r>
               <a:rPr lang="en-US" sz="2400" b="1" dirty="0"/>
               <a:t>XML</a:t>
             </a:r>
             <a:r>
               <a:rPr lang="en-US" sz="2400" dirty="0"/>
-              <a:t>: Users, Menu, </a:t>
+              <a:t>: Menu, </a:t>
             </a:r>
             <a:r>
               <a:rPr lang="en-US" sz="2400" dirty="0" err="1"/>
               <a:t>Sprachen</a:t>
             </a:r>
-            <a:endParaRPr lang="en-US" sz="2400" dirty="0"/>
-          </a:p>
-          <a:p>
-            <a:r>
-              <a:rPr lang="en-US" sz="2400"/>
-              <a:t>Daten-Files </a:t>
+            <a:r>
+              <a:rPr lang="en-US" sz="2400" dirty="0"/>
+              <a:t>, </a:t>
+            </a:r>
+            <a:r>
+              <a:rPr lang="en-US" sz="2400" dirty="0" err="1"/>
+              <a:t>Konfiguration</a:t>
+            </a:r>
+            <a:r>
+              <a:rPr lang="en-US" sz="2400" dirty="0"/>
+              <a:t> der DB </a:t>
+            </a:r>
+          </a:p>
+          <a:p>
+            <a:r>
+              <a:rPr lang="en-US" sz="2400" dirty="0" err="1"/>
+              <a:t>Daten</a:t>
+            </a:r>
+            <a:r>
+              <a:rPr lang="en-US" sz="2400" dirty="0"/>
+              <a:t>-Files </a:t>
             </a:r>
             <a:r>
               <a:rPr lang="en-US" sz="2400" b="1" dirty="0"/>
@@ -4707,6 +4729,18 @@
               <a:buChar char="-"/>
             </a:pPr>
             <a:r>
+              <a:rPr lang="en-US" dirty="0" err="1"/>
+              <a:t>Gesch</a:t>
+            </a:r>
+            <a:r>
+              <a:rPr lang="de-CH" dirty="0" err="1"/>
+              <a:t>ützt</a:t>
+            </a:r>
+            <a:r>
+              <a:rPr lang="de-CH" dirty="0"/>
+              <a:t> - </a:t>
+            </a:r>
+            <a:r>
               <a:rPr lang="en-US" dirty="0"/>
               <a:t>login/</a:t>
             </a:r>
@@ -4761,18 +4795,12 @@
             </a:r>
             <a:r>
               <a:rPr lang="en-US" dirty="0"/>
-              <a:t>HTML Forms </a:t>
-            </a:r>
-            <a:r>
-              <a:rPr lang="en-US" dirty="0" err="1"/>
-              <a:t>mit</a:t>
-            </a:r>
-            <a:r>
-              <a:rPr lang="en-US" dirty="0"/>
-              <a:t> Post</a:t>
-            </a:r>
-          </a:p>
-          <a:p>
+              <a:t>HTML Form</a:t>
+            </a:r>
+            <a:r>
+              <a:rPr lang="en-US"/>
+              <a:t>, AJAX</a:t>
+            </a:r>
             <a:endParaRPr lang="en-US" dirty="0"/>
           </a:p>
         </p:txBody>
